--- a/Screen Design.pptx
+++ b/Screen Design.pptx
@@ -5,16 +5,16 @@
     <p:sldMasterId id="2147483648" r:id="rId1"/>
   </p:sldMasterIdLst>
   <p:sldIdLst>
-    <p:sldId id="256" r:id="rId7"/>
-    <p:sldId id="257" r:id="rId8"/>
-    <p:sldId id="258" r:id="rId9"/>
-    <p:sldId id="259" r:id="rId10"/>
-    <p:sldId id="260" r:id="rId11"/>
-    <p:sldId id="261" r:id="rId12"/>
-    <p:sldId id="262" r:id="rId13"/>
-    <p:sldId id="263" r:id="rId14"/>
-    <p:sldId id="264" r:id="rId15"/>
-    <p:sldId id="265" r:id="rId16"/>
+    <p:sldId id="256" r:id="rId2"/>
+    <p:sldId id="257" r:id="rId3"/>
+    <p:sldId id="258" r:id="rId4"/>
+    <p:sldId id="262" r:id="rId5"/>
+    <p:sldId id="259" r:id="rId6"/>
+    <p:sldId id="263" r:id="rId7"/>
+    <p:sldId id="260" r:id="rId8"/>
+    <p:sldId id="264" r:id="rId9"/>
+    <p:sldId id="261" r:id="rId10"/>
+    <p:sldId id="265" r:id="rId11"/>
   </p:sldIdLst>
   <p:sldSz cx="9144000" cy="6858000" type="screen4x3"/>
   <p:notesSz cx="6858000" cy="9144000"/>
@@ -113,6 +113,22 @@
       </a:defRPr>
     </a:lvl9pPr>
   </p:defaultTextStyle>
+  <p:extLst>
+    <p:ext uri="{EFAFB233-063F-42B5-8137-9DF3F51BA10A}">
+      <p15:sldGuideLst xmlns:p15="http://schemas.microsoft.com/office/powerpoint/2012/main">
+        <p15:guide id="1" orient="horz" pos="2160">
+          <p15:clr>
+            <a:srgbClr val="A4A3A4"/>
+          </p15:clr>
+        </p15:guide>
+        <p15:guide id="2" pos="2880">
+          <p15:clr>
+            <a:srgbClr val="A4A3A4"/>
+          </p15:clr>
+        </p15:guide>
+      </p15:sldGuideLst>
+    </p:ext>
+  </p:extLst>
 </p:presentation>
 </file>
 
@@ -297,7 +313,7 @@
           <a:p>
             <a:fld id="{5BCAD085-E8A6-8845-BD4E-CB4CCA059FC4}" type="datetimeFigureOut">
               <a:rPr lang="en-US" smtClean="0"/>
-              <a:t>1/27/13</a:t>
+              <a:t>4/25/2025</a:t>
             </a:fld>
             <a:endParaRPr lang="en-US"/>
           </a:p>
@@ -467,7 +483,7 @@
           <a:p>
             <a:fld id="{5BCAD085-E8A6-8845-BD4E-CB4CCA059FC4}" type="datetimeFigureOut">
               <a:rPr lang="en-US" smtClean="0"/>
-              <a:t>1/27/13</a:t>
+              <a:t>4/25/2025</a:t>
             </a:fld>
             <a:endParaRPr lang="en-US"/>
           </a:p>
@@ -647,7 +663,7 @@
           <a:p>
             <a:fld id="{5BCAD085-E8A6-8845-BD4E-CB4CCA059FC4}" type="datetimeFigureOut">
               <a:rPr lang="en-US" smtClean="0"/>
-              <a:t>1/27/13</a:t>
+              <a:t>4/25/2025</a:t>
             </a:fld>
             <a:endParaRPr lang="en-US"/>
           </a:p>
@@ -817,7 +833,7 @@
           <a:p>
             <a:fld id="{5BCAD085-E8A6-8845-BD4E-CB4CCA059FC4}" type="datetimeFigureOut">
               <a:rPr lang="en-US" smtClean="0"/>
-              <a:t>1/27/13</a:t>
+              <a:t>4/25/2025</a:t>
             </a:fld>
             <a:endParaRPr lang="en-US"/>
           </a:p>
@@ -1063,7 +1079,7 @@
           <a:p>
             <a:fld id="{5BCAD085-E8A6-8845-BD4E-CB4CCA059FC4}" type="datetimeFigureOut">
               <a:rPr lang="en-US" smtClean="0"/>
-              <a:t>1/27/13</a:t>
+              <a:t>4/25/2025</a:t>
             </a:fld>
             <a:endParaRPr lang="en-US"/>
           </a:p>
@@ -1351,7 +1367,7 @@
           <a:p>
             <a:fld id="{5BCAD085-E8A6-8845-BD4E-CB4CCA059FC4}" type="datetimeFigureOut">
               <a:rPr lang="en-US" smtClean="0"/>
-              <a:t>1/27/13</a:t>
+              <a:t>4/25/2025</a:t>
             </a:fld>
             <a:endParaRPr lang="en-US"/>
           </a:p>
@@ -1773,7 +1789,7 @@
           <a:p>
             <a:fld id="{5BCAD085-E8A6-8845-BD4E-CB4CCA059FC4}" type="datetimeFigureOut">
               <a:rPr lang="en-US" smtClean="0"/>
-              <a:t>1/27/13</a:t>
+              <a:t>4/25/2025</a:t>
             </a:fld>
             <a:endParaRPr lang="en-US"/>
           </a:p>
@@ -1891,7 +1907,7 @@
           <a:p>
             <a:fld id="{5BCAD085-E8A6-8845-BD4E-CB4CCA059FC4}" type="datetimeFigureOut">
               <a:rPr lang="en-US" smtClean="0"/>
-              <a:t>1/27/13</a:t>
+              <a:t>4/25/2025</a:t>
             </a:fld>
             <a:endParaRPr lang="en-US"/>
           </a:p>
@@ -1986,7 +2002,7 @@
           <a:p>
             <a:fld id="{5BCAD085-E8A6-8845-BD4E-CB4CCA059FC4}" type="datetimeFigureOut">
               <a:rPr lang="en-US" smtClean="0"/>
-              <a:t>1/27/13</a:t>
+              <a:t>4/25/2025</a:t>
             </a:fld>
             <a:endParaRPr lang="en-US"/>
           </a:p>
@@ -2263,7 +2279,7 @@
           <a:p>
             <a:fld id="{5BCAD085-E8A6-8845-BD4E-CB4CCA059FC4}" type="datetimeFigureOut">
               <a:rPr lang="en-US" smtClean="0"/>
-              <a:t>1/27/13</a:t>
+              <a:t>4/25/2025</a:t>
             </a:fld>
             <a:endParaRPr lang="en-US"/>
           </a:p>
@@ -2516,7 +2532,7 @@
           <a:p>
             <a:fld id="{5BCAD085-E8A6-8845-BD4E-CB4CCA059FC4}" type="datetimeFigureOut">
               <a:rPr lang="en-US" smtClean="0"/>
-              <a:t>1/27/13</a:t>
+              <a:t>4/25/2025</a:t>
             </a:fld>
             <a:endParaRPr lang="en-US"/>
           </a:p>
@@ -2729,7 +2745,7 @@
           <a:p>
             <a:fld id="{5BCAD085-E8A6-8845-BD4E-CB4CCA059FC4}" type="datetimeFigureOut">
               <a:rPr lang="en-US" smtClean="0"/>
-              <a:t>1/27/13</a:t>
+              <a:t>4/25/2025</a:t>
             </a:fld>
             <a:endParaRPr lang="en-US"/>
           </a:p>
@@ -3088,7 +3104,7 @@
 </file>
 
 <file path=ppt/slides/slide1.xml><?xml version="1.0" encoding="utf-8"?>
-<p:sld xmlns:a="http://schemas.openxmlformats.org/drawingml/2006/main" xmlns:p="http://schemas.openxmlformats.org/presentationml/2006/main" xmlns:r="http://schemas.openxmlformats.org/officeDocument/2006/relationships">
+<p:sld xmlns:a="http://schemas.openxmlformats.org/drawingml/2006/main" xmlns:r="http://schemas.openxmlformats.org/officeDocument/2006/relationships" xmlns:p="http://schemas.openxmlformats.org/presentationml/2006/main">
   <p:cSld>
     <p:spTree>
       <p:nvGrpSpPr>
@@ -3096,7 +3112,14 @@
         <p:cNvGrpSpPr/>
         <p:nvPr/>
       </p:nvGrpSpPr>
-      <p:grpSpPr/>
+      <p:grpSpPr>
+        <a:xfrm>
+          <a:off x="0" y="0"/>
+          <a:ext cx="0" cy="0"/>
+          <a:chOff x="0" y="0"/>
+          <a:chExt cx="0" cy="0"/>
+        </a:xfrm>
+      </p:grpSpPr>
       <p:sp>
         <p:nvSpPr>
           <p:cNvPr id="2" name="Title 1"/>
@@ -3148,7 +3171,7 @@
 </file>
 
 <file path=ppt/slides/slide10.xml><?xml version="1.0" encoding="utf-8"?>
-<p:sld xmlns:a="http://schemas.openxmlformats.org/drawingml/2006/main" xmlns:p="http://schemas.openxmlformats.org/presentationml/2006/main" xmlns:r="http://schemas.openxmlformats.org/officeDocument/2006/relationships">
+<p:sld xmlns:a="http://schemas.openxmlformats.org/drawingml/2006/main" xmlns:r="http://schemas.openxmlformats.org/officeDocument/2006/relationships" xmlns:p="http://schemas.openxmlformats.org/presentationml/2006/main">
   <p:cSld>
     <p:spTree>
       <p:nvGrpSpPr>
@@ -3156,7 +3179,14 @@
         <p:cNvGrpSpPr/>
         <p:nvPr/>
       </p:nvGrpSpPr>
-      <p:grpSpPr/>
+      <p:grpSpPr>
+        <a:xfrm>
+          <a:off x="0" y="0"/>
+          <a:ext cx="0" cy="0"/>
+          <a:chOff x="0" y="0"/>
+          <a:chExt cx="0" cy="0"/>
+        </a:xfrm>
+      </p:grpSpPr>
       <p:sp>
         <p:nvSpPr>
           <p:cNvPr id="2" name="Title 1"/>
@@ -3169,39 +3199,31 @@
         </p:nvSpPr>
         <p:spPr/>
         <p:txBody>
-          <a:bodyPr/>
-          <a:lstStyle/>
-          <a:p/>
-        </p:txBody>
-      </p:sp>
-      <p:sp>
-        <p:nvSpPr>
-          <p:cNvPr id="3" name="TextBox 2"/>
-          <p:cNvSpPr txBox="1"/>
-          <p:nvPr/>
-        </p:nvSpPr>
-        <p:spPr>
-          <a:xfrm>
-            <a:off x="457200" y="182880"/>
-            <a:ext cx="7315200" cy="457200"/>
-          </a:xfrm>
-          <a:prstGeom prst="rect">
-            <a:avLst/>
-          </a:prstGeom>
-          <a:noFill/>
-        </p:spPr>
-        <p:txBody>
-          <a:bodyPr wrap="none">
-            <a:spAutoFit/>
+          <a:bodyPr>
+            <a:normAutofit fontScale="90000"/>
           </a:bodyPr>
           <a:lstStyle/>
           <a:p>
-            <a:pPr>
-              <a:defRPr sz="2400" b="1"/>
-            </a:pPr>
-            <a:r>
-              <a:t>와이어프레임: 마이페이지</a:t>
-            </a:r>
+            <a:r>
+              <a:rPr lang="ko-KR" altLang="en-US" dirty="0"/>
+              <a:t>와이어프레임</a:t>
+            </a:r>
+            <a:r>
+              <a:rPr lang="en-US" altLang="ko-KR" dirty="0"/>
+              <a:t>: </a:t>
+            </a:r>
+            <a:r>
+              <a:rPr lang="ko-KR" altLang="en-US" dirty="0" err="1"/>
+              <a:t>마이페이지</a:t>
+            </a:r>
+            <a:r>
+              <a:rPr lang="ko-KR" altLang="en-US" dirty="0"/>
+              <a:t/>
+            </a:r>
+            <a:br>
+              <a:rPr lang="ko-KR" altLang="en-US" dirty="0"/>
+            </a:br>
+            <a:endParaRPr dirty="0"/>
           </a:p>
         </p:txBody>
       </p:sp>
@@ -3213,7 +3235,7 @@
         </p:nvSpPr>
         <p:spPr>
           <a:xfrm>
-            <a:off x="914400" y="914400"/>
+            <a:off x="1371600" y="1799065"/>
             <a:ext cx="2743200" cy="914400"/>
           </a:xfrm>
           <a:prstGeom prst="rect">
@@ -3263,7 +3285,7 @@
         </p:nvSpPr>
         <p:spPr>
           <a:xfrm>
-            <a:off x="3657600" y="914400"/>
+            <a:off x="4809393" y="1799065"/>
             <a:ext cx="2743200" cy="914400"/>
           </a:xfrm>
           <a:prstGeom prst="rect">
@@ -3313,7 +3335,7 @@
         </p:nvSpPr>
         <p:spPr>
           <a:xfrm>
-            <a:off x="914400" y="2286000"/>
+            <a:off x="1907931" y="3627865"/>
             <a:ext cx="5486400" cy="914400"/>
           </a:xfrm>
           <a:prstGeom prst="rect">
@@ -3363,7 +3385,7 @@
         </p:nvSpPr>
         <p:spPr>
           <a:xfrm>
-            <a:off x="914400" y="3657600"/>
+            <a:off x="1907931" y="4923692"/>
             <a:ext cx="5486400" cy="914400"/>
           </a:xfrm>
           <a:prstGeom prst="rect">
@@ -3414,7 +3436,7 @@
 </file>
 
 <file path=ppt/slides/slide2.xml><?xml version="1.0" encoding="utf-8"?>
-<p:sld xmlns:a="http://schemas.openxmlformats.org/drawingml/2006/main" xmlns:p="http://schemas.openxmlformats.org/presentationml/2006/main" xmlns:r="http://schemas.openxmlformats.org/officeDocument/2006/relationships">
+<p:sld xmlns:a="http://schemas.openxmlformats.org/drawingml/2006/main" xmlns:r="http://schemas.openxmlformats.org/officeDocument/2006/relationships" xmlns:p="http://schemas.openxmlformats.org/presentationml/2006/main">
   <p:cSld>
     <p:spTree>
       <p:nvGrpSpPr>
@@ -3422,7 +3444,14 @@
         <p:cNvGrpSpPr/>
         <p:nvPr/>
       </p:nvGrpSpPr>
-      <p:grpSpPr/>
+      <p:grpSpPr>
+        <a:xfrm>
+          <a:off x="0" y="0"/>
+          <a:ext cx="0" cy="0"/>
+          <a:chOff x="0" y="0"/>
+          <a:chExt cx="0" cy="0"/>
+        </a:xfrm>
+      </p:grpSpPr>
       <p:sp>
         <p:nvSpPr>
           <p:cNvPr id="2" name="Title 1"/>
@@ -3494,7 +3523,7 @@
 </file>
 
 <file path=ppt/slides/slide3.xml><?xml version="1.0" encoding="utf-8"?>
-<p:sld xmlns:a="http://schemas.openxmlformats.org/drawingml/2006/main" xmlns:p="http://schemas.openxmlformats.org/presentationml/2006/main" xmlns:r="http://schemas.openxmlformats.org/officeDocument/2006/relationships">
+<p:sld xmlns:a="http://schemas.openxmlformats.org/drawingml/2006/main" xmlns:r="http://schemas.openxmlformats.org/officeDocument/2006/relationships" xmlns:p="http://schemas.openxmlformats.org/presentationml/2006/main">
   <p:cSld>
     <p:spTree>
       <p:nvGrpSpPr>
@@ -3502,7 +3531,14 @@
         <p:cNvGrpSpPr/>
         <p:nvPr/>
       </p:nvGrpSpPr>
-      <p:grpSpPr/>
+      <p:grpSpPr>
+        <a:xfrm>
+          <a:off x="0" y="0"/>
+          <a:ext cx="0" cy="0"/>
+          <a:chOff x="0" y="0"/>
+          <a:chExt cx="0" cy="0"/>
+        </a:xfrm>
+      </p:grpSpPr>
       <p:sp>
         <p:nvSpPr>
           <p:cNvPr id="2" name="Title 1"/>
@@ -3564,7 +3600,7 @@
 </file>
 
 <file path=ppt/slides/slide4.xml><?xml version="1.0" encoding="utf-8"?>
-<p:sld xmlns:a="http://schemas.openxmlformats.org/drawingml/2006/main" xmlns:p="http://schemas.openxmlformats.org/presentationml/2006/main" xmlns:r="http://schemas.openxmlformats.org/officeDocument/2006/relationships">
+<p:sld xmlns:a="http://schemas.openxmlformats.org/drawingml/2006/main" xmlns:r="http://schemas.openxmlformats.org/officeDocument/2006/relationships" xmlns:p="http://schemas.openxmlformats.org/presentationml/2006/main">
   <p:cSld>
     <p:spTree>
       <p:nvGrpSpPr>
@@ -3572,7 +3608,14 @@
         <p:cNvGrpSpPr/>
         <p:nvPr/>
       </p:nvGrpSpPr>
-      <p:grpSpPr/>
+      <p:grpSpPr>
+        <a:xfrm>
+          <a:off x="0" y="0"/>
+          <a:ext cx="0" cy="0"/>
+          <a:chOff x="0" y="0"/>
+          <a:chExt cx="0" cy="0"/>
+        </a:xfrm>
+      </p:grpSpPr>
       <p:sp>
         <p:nvSpPr>
           <p:cNvPr id="2" name="Title 1"/>
@@ -3585,254 +3628,27 @@
         </p:nvSpPr>
         <p:spPr/>
         <p:txBody>
-          <a:bodyPr/>
-          <a:lstStyle/>
-          <a:p>
-            <a:r>
-              <a:t>메인 대시보드</a:t>
-            </a:r>
-          </a:p>
-        </p:txBody>
-      </p:sp>
-      <p:sp>
-        <p:nvSpPr>
-          <p:cNvPr id="3" name="Content Placeholder 2"/>
-          <p:cNvSpPr>
-            <a:spLocks noGrp="1"/>
-          </p:cNvSpPr>
-          <p:nvPr>
-            <p:ph idx="1"/>
-          </p:nvPr>
-        </p:nvSpPr>
-        <p:spPr/>
-        <p:txBody>
-          <a:bodyPr/>
-          <a:lstStyle/>
-          <a:p>
-            <a:r>
-              <a:t>- 인기 작품 슬라이드 배너</a:t>
-            </a:r>
-          </a:p>
-          <a:p>
-            <a:r>
-              <a:t>- 추천 애니메이션</a:t>
-            </a:r>
-          </a:p>
-          <a:p>
-            <a:r>
-              <a:t>- 장르별 탐색</a:t>
-            </a:r>
-          </a:p>
-          <a:p>
-            <a:r>
-              <a:t>- 유저 리뷰 Top5</a:t>
-            </a:r>
-          </a:p>
-        </p:txBody>
-      </p:sp>
-    </p:spTree>
-  </p:cSld>
-  <p:clrMapOvr>
-    <a:masterClrMapping/>
-  </p:clrMapOvr>
-</p:sld>
-</file>
-
-<file path=ppt/slides/slide5.xml><?xml version="1.0" encoding="utf-8"?>
-<p:sld xmlns:a="http://schemas.openxmlformats.org/drawingml/2006/main" xmlns:p="http://schemas.openxmlformats.org/presentationml/2006/main" xmlns:r="http://schemas.openxmlformats.org/officeDocument/2006/relationships">
-  <p:cSld>
-    <p:spTree>
-      <p:nvGrpSpPr>
-        <p:cNvPr id="1" name=""/>
-        <p:cNvGrpSpPr/>
-        <p:nvPr/>
-      </p:nvGrpSpPr>
-      <p:grpSpPr/>
-      <p:sp>
-        <p:nvSpPr>
-          <p:cNvPr id="2" name="Title 1"/>
-          <p:cNvSpPr>
-            <a:spLocks noGrp="1"/>
-          </p:cNvSpPr>
-          <p:nvPr>
-            <p:ph type="title"/>
-          </p:nvPr>
-        </p:nvSpPr>
-        <p:spPr/>
-        <p:txBody>
-          <a:bodyPr/>
-          <a:lstStyle/>
-          <a:p>
-            <a:r>
-              <a:t>애니메이션 상세 페이지</a:t>
-            </a:r>
-          </a:p>
-        </p:txBody>
-      </p:sp>
-      <p:sp>
-        <p:nvSpPr>
-          <p:cNvPr id="3" name="Content Placeholder 2"/>
-          <p:cNvSpPr>
-            <a:spLocks noGrp="1"/>
-          </p:cNvSpPr>
-          <p:nvPr>
-            <p:ph idx="1"/>
-          </p:nvPr>
-        </p:nvSpPr>
-        <p:spPr/>
-        <p:txBody>
-          <a:bodyPr/>
-          <a:lstStyle/>
-          <a:p>
-            <a:r>
-              <a:t>- 포스터 및 기본 정보</a:t>
-            </a:r>
-          </a:p>
-          <a:p>
-            <a:r>
-              <a:t>- 에피소드 스트리밍 리스트</a:t>
-            </a:r>
-          </a:p>
-          <a:p>
-            <a:r>
-              <a:t>- 유저 별점 및 댓글</a:t>
-            </a:r>
-          </a:p>
-        </p:txBody>
-      </p:sp>
-    </p:spTree>
-  </p:cSld>
-  <p:clrMapOvr>
-    <a:masterClrMapping/>
-  </p:clrMapOvr>
-</p:sld>
-</file>
-
-<file path=ppt/slides/slide6.xml><?xml version="1.0" encoding="utf-8"?>
-<p:sld xmlns:a="http://schemas.openxmlformats.org/drawingml/2006/main" xmlns:p="http://schemas.openxmlformats.org/presentationml/2006/main" xmlns:r="http://schemas.openxmlformats.org/officeDocument/2006/relationships">
-  <p:cSld>
-    <p:spTree>
-      <p:nvGrpSpPr>
-        <p:cNvPr id="1" name=""/>
-        <p:cNvGrpSpPr/>
-        <p:nvPr/>
-      </p:nvGrpSpPr>
-      <p:grpSpPr/>
-      <p:sp>
-        <p:nvSpPr>
-          <p:cNvPr id="2" name="Title 1"/>
-          <p:cNvSpPr>
-            <a:spLocks noGrp="1"/>
-          </p:cNvSpPr>
-          <p:nvPr>
-            <p:ph type="title"/>
-          </p:nvPr>
-        </p:nvSpPr>
-        <p:spPr/>
-        <p:txBody>
-          <a:bodyPr/>
-          <a:lstStyle/>
-          <a:p>
-            <a:r>
-              <a:t>마이페이지</a:t>
-            </a:r>
-          </a:p>
-        </p:txBody>
-      </p:sp>
-      <p:sp>
-        <p:nvSpPr>
-          <p:cNvPr id="3" name="Content Placeholder 2"/>
-          <p:cNvSpPr>
-            <a:spLocks noGrp="1"/>
-          </p:cNvSpPr>
-          <p:nvPr>
-            <p:ph idx="1"/>
-          </p:nvPr>
-        </p:nvSpPr>
-        <p:spPr/>
-        <p:txBody>
-          <a:bodyPr/>
-          <a:lstStyle/>
-          <a:p>
-            <a:r>
-              <a:t>- 내가 본 애니 / 북마크</a:t>
-            </a:r>
-          </a:p>
-          <a:p>
-            <a:r>
-              <a:t>- 리뷰 내역</a:t>
-            </a:r>
-          </a:p>
-          <a:p>
-            <a:r>
-              <a:t>- 계정 정보 수정 및 탈퇴</a:t>
-            </a:r>
-          </a:p>
-        </p:txBody>
-      </p:sp>
-    </p:spTree>
-  </p:cSld>
-  <p:clrMapOvr>
-    <a:masterClrMapping/>
-  </p:clrMapOvr>
-</p:sld>
-</file>
-
-<file path=ppt/slides/slide7.xml><?xml version="1.0" encoding="utf-8"?>
-<p:sld xmlns:a="http://schemas.openxmlformats.org/drawingml/2006/main" xmlns:p="http://schemas.openxmlformats.org/presentationml/2006/main" xmlns:r="http://schemas.openxmlformats.org/officeDocument/2006/relationships">
-  <p:cSld>
-    <p:spTree>
-      <p:nvGrpSpPr>
-        <p:cNvPr id="1" name=""/>
-        <p:cNvGrpSpPr/>
-        <p:nvPr/>
-      </p:nvGrpSpPr>
-      <p:grpSpPr/>
-      <p:sp>
-        <p:nvSpPr>
-          <p:cNvPr id="2" name="Title 1"/>
-          <p:cNvSpPr>
-            <a:spLocks noGrp="1"/>
-          </p:cNvSpPr>
-          <p:nvPr>
-            <p:ph type="title"/>
-          </p:nvPr>
-        </p:nvSpPr>
-        <p:spPr/>
-        <p:txBody>
-          <a:bodyPr/>
-          <a:lstStyle/>
-          <a:p/>
-        </p:txBody>
-      </p:sp>
-      <p:sp>
-        <p:nvSpPr>
-          <p:cNvPr id="3" name="TextBox 2"/>
-          <p:cNvSpPr txBox="1"/>
-          <p:nvPr/>
-        </p:nvSpPr>
-        <p:spPr>
-          <a:xfrm>
-            <a:off x="457200" y="182880"/>
-            <a:ext cx="7315200" cy="457200"/>
-          </a:xfrm>
-          <a:prstGeom prst="rect">
-            <a:avLst/>
-          </a:prstGeom>
-          <a:noFill/>
-        </p:spPr>
-        <p:txBody>
-          <a:bodyPr wrap="none">
-            <a:spAutoFit/>
+          <a:bodyPr>
+            <a:normAutofit fontScale="90000"/>
           </a:bodyPr>
           <a:lstStyle/>
           <a:p>
-            <a:pPr>
-              <a:defRPr sz="2400" b="1"/>
-            </a:pPr>
-            <a:r>
-              <a:t>와이어프레임: 로그인 화면</a:t>
-            </a:r>
+            <a:r>
+              <a:rPr lang="ko-KR" altLang="en-US" dirty="0"/>
+              <a:t>와이어프레임</a:t>
+            </a:r>
+            <a:r>
+              <a:rPr lang="en-US" altLang="ko-KR" dirty="0"/>
+              <a:t>: </a:t>
+            </a:r>
+            <a:r>
+              <a:rPr lang="ko-KR" altLang="en-US" dirty="0"/>
+              <a:t>로그인 화면</a:t>
+            </a:r>
+            <a:br>
+              <a:rPr lang="ko-KR" altLang="en-US" dirty="0"/>
+            </a:br>
+            <a:endParaRPr dirty="0"/>
           </a:p>
         </p:txBody>
       </p:sp>
@@ -3844,7 +3660,7 @@
         </p:nvSpPr>
         <p:spPr>
           <a:xfrm>
-            <a:off x="1371600" y="1371600"/>
+            <a:off x="2011680" y="1417638"/>
             <a:ext cx="4572000" cy="457200"/>
           </a:xfrm>
           <a:prstGeom prst="rect">
@@ -3894,7 +3710,7 @@
         </p:nvSpPr>
         <p:spPr>
           <a:xfrm>
-            <a:off x="1371600" y="2011680"/>
+            <a:off x="2011680" y="2122622"/>
             <a:ext cx="4572000" cy="457200"/>
           </a:xfrm>
           <a:prstGeom prst="rect">
@@ -3944,7 +3760,7 @@
         </p:nvSpPr>
         <p:spPr>
           <a:xfrm>
-            <a:off x="2926080" y="2743200"/>
+            <a:off x="3611880" y="3003532"/>
             <a:ext cx="1371600" cy="548640"/>
           </a:xfrm>
           <a:prstGeom prst="rect">
@@ -3981,8 +3797,18 @@
               <a:defRPr sz="1200" b="1"/>
             </a:pPr>
             <a:r>
-              <a:t>로그인 버튼</a:t>
-            </a:r>
+              <a:rPr dirty="0" err="1"/>
+              <a:t>로그인</a:t>
+            </a:r>
+            <a:r>
+              <a:rPr dirty="0"/>
+              <a:t> </a:t>
+            </a:r>
+            <a:r>
+              <a:rPr dirty="0" err="1"/>
+              <a:t>버튼</a:t>
+            </a:r>
+            <a:endParaRPr dirty="0"/>
           </a:p>
         </p:txBody>
       </p:sp>
@@ -3994,7 +3820,7 @@
         </p:nvSpPr>
         <p:spPr>
           <a:xfrm>
-            <a:off x="1371600" y="3474720"/>
+            <a:off x="2011680" y="4046219"/>
             <a:ext cx="1828800" cy="365760"/>
           </a:xfrm>
           <a:prstGeom prst="rect">
@@ -4044,7 +3870,7 @@
         </p:nvSpPr>
         <p:spPr>
           <a:xfrm>
-            <a:off x="4114800" y="3474720"/>
+            <a:off x="4754880" y="4011050"/>
             <a:ext cx="1828800" cy="365760"/>
           </a:xfrm>
           <a:prstGeom prst="rect">
@@ -4081,8 +3907,18 @@
               <a:defRPr sz="1200" b="1"/>
             </a:pPr>
             <a:r>
-              <a:t>비밀번호 찾기</a:t>
-            </a:r>
+              <a:rPr dirty="0" err="1"/>
+              <a:t>비밀번호</a:t>
+            </a:r>
+            <a:r>
+              <a:rPr dirty="0"/>
+              <a:t> </a:t>
+            </a:r>
+            <a:r>
+              <a:rPr dirty="0" err="1"/>
+              <a:t>찾기</a:t>
+            </a:r>
+            <a:endParaRPr dirty="0"/>
           </a:p>
         </p:txBody>
       </p:sp>
@@ -4094,8 +3930,8 @@
 </p:sld>
 </file>
 
-<file path=ppt/slides/slide8.xml><?xml version="1.0" encoding="utf-8"?>
-<p:sld xmlns:a="http://schemas.openxmlformats.org/drawingml/2006/main" xmlns:p="http://schemas.openxmlformats.org/presentationml/2006/main" xmlns:r="http://schemas.openxmlformats.org/officeDocument/2006/relationships">
+<file path=ppt/slides/slide5.xml><?xml version="1.0" encoding="utf-8"?>
+<p:sld xmlns:a="http://schemas.openxmlformats.org/drawingml/2006/main" xmlns:r="http://schemas.openxmlformats.org/officeDocument/2006/relationships" xmlns:p="http://schemas.openxmlformats.org/presentationml/2006/main">
   <p:cSld>
     <p:spTree>
       <p:nvGrpSpPr>
@@ -4103,7 +3939,14 @@
         <p:cNvGrpSpPr/>
         <p:nvPr/>
       </p:nvGrpSpPr>
-      <p:grpSpPr/>
+      <p:grpSpPr>
+        <a:xfrm>
+          <a:off x="0" y="0"/>
+          <a:ext cx="0" cy="0"/>
+          <a:chOff x="0" y="0"/>
+          <a:chExt cx="0" cy="0"/>
+        </a:xfrm>
+      </p:grpSpPr>
       <p:sp>
         <p:nvSpPr>
           <p:cNvPr id="2" name="Title 1"/>
@@ -4118,37 +3961,107 @@
         <p:txBody>
           <a:bodyPr/>
           <a:lstStyle/>
-          <a:p/>
-        </p:txBody>
-      </p:sp>
-      <p:sp>
-        <p:nvSpPr>
-          <p:cNvPr id="3" name="TextBox 2"/>
-          <p:cNvSpPr txBox="1"/>
-          <p:nvPr/>
-        </p:nvSpPr>
-        <p:spPr>
-          <a:xfrm>
-            <a:off x="457200" y="182880"/>
-            <a:ext cx="7315200" cy="457200"/>
-          </a:xfrm>
-          <a:prstGeom prst="rect">
-            <a:avLst/>
-          </a:prstGeom>
-          <a:noFill/>
-        </p:spPr>
-        <p:txBody>
-          <a:bodyPr wrap="none">
-            <a:spAutoFit/>
+          <a:p>
+            <a:r>
+              <a:t>메인 대시보드</a:t>
+            </a:r>
+          </a:p>
+        </p:txBody>
+      </p:sp>
+      <p:sp>
+        <p:nvSpPr>
+          <p:cNvPr id="3" name="Content Placeholder 2"/>
+          <p:cNvSpPr>
+            <a:spLocks noGrp="1"/>
+          </p:cNvSpPr>
+          <p:nvPr>
+            <p:ph idx="1"/>
+          </p:nvPr>
+        </p:nvSpPr>
+        <p:spPr/>
+        <p:txBody>
+          <a:bodyPr/>
+          <a:lstStyle/>
+          <a:p>
+            <a:r>
+              <a:t>- 인기 작품 슬라이드 배너</a:t>
+            </a:r>
+          </a:p>
+          <a:p>
+            <a:r>
+              <a:t>- 추천 애니메이션</a:t>
+            </a:r>
+          </a:p>
+          <a:p>
+            <a:r>
+              <a:t>- 장르별 탐색</a:t>
+            </a:r>
+          </a:p>
+          <a:p>
+            <a:r>
+              <a:t>- 유저 리뷰 Top5</a:t>
+            </a:r>
+          </a:p>
+        </p:txBody>
+      </p:sp>
+    </p:spTree>
+  </p:cSld>
+  <p:clrMapOvr>
+    <a:masterClrMapping/>
+  </p:clrMapOvr>
+</p:sld>
+</file>
+
+<file path=ppt/slides/slide6.xml><?xml version="1.0" encoding="utf-8"?>
+<p:sld xmlns:a="http://schemas.openxmlformats.org/drawingml/2006/main" xmlns:r="http://schemas.openxmlformats.org/officeDocument/2006/relationships" xmlns:p="http://schemas.openxmlformats.org/presentationml/2006/main">
+  <p:cSld>
+    <p:spTree>
+      <p:nvGrpSpPr>
+        <p:cNvPr id="1" name=""/>
+        <p:cNvGrpSpPr/>
+        <p:nvPr/>
+      </p:nvGrpSpPr>
+      <p:grpSpPr>
+        <a:xfrm>
+          <a:off x="0" y="0"/>
+          <a:ext cx="0" cy="0"/>
+          <a:chOff x="0" y="0"/>
+          <a:chExt cx="0" cy="0"/>
+        </a:xfrm>
+      </p:grpSpPr>
+      <p:sp>
+        <p:nvSpPr>
+          <p:cNvPr id="2" name="Title 1"/>
+          <p:cNvSpPr>
+            <a:spLocks noGrp="1"/>
+          </p:cNvSpPr>
+          <p:nvPr>
+            <p:ph type="title"/>
+          </p:nvPr>
+        </p:nvSpPr>
+        <p:spPr/>
+        <p:txBody>
+          <a:bodyPr>
+            <a:normAutofit fontScale="90000"/>
           </a:bodyPr>
           <a:lstStyle/>
           <a:p>
-            <a:pPr>
-              <a:defRPr sz="2400" b="1"/>
-            </a:pPr>
-            <a:r>
-              <a:t>와이어프레임: 메인 대시보드</a:t>
-            </a:r>
+            <a:r>
+              <a:rPr lang="ko-KR" altLang="en-US" dirty="0"/>
+              <a:t>와이어프레임</a:t>
+            </a:r>
+            <a:r>
+              <a:rPr lang="en-US" altLang="ko-KR" dirty="0"/>
+              <a:t>: </a:t>
+            </a:r>
+            <a:r>
+              <a:rPr lang="ko-KR" altLang="en-US" dirty="0"/>
+              <a:t>메인 대시보드</a:t>
+            </a:r>
+            <a:br>
+              <a:rPr lang="ko-KR" altLang="en-US" dirty="0"/>
+            </a:br>
+            <a:endParaRPr dirty="0"/>
           </a:p>
         </p:txBody>
       </p:sp>
@@ -4160,7 +4073,7 @@
         </p:nvSpPr>
         <p:spPr>
           <a:xfrm>
-            <a:off x="457200" y="914400"/>
+            <a:off x="914400" y="1192874"/>
             <a:ext cx="7315200" cy="914400"/>
           </a:xfrm>
           <a:prstGeom prst="rect">
@@ -4210,7 +4123,7 @@
         </p:nvSpPr>
         <p:spPr>
           <a:xfrm>
-            <a:off x="457200" y="2011680"/>
+            <a:off x="914400" y="2468562"/>
             <a:ext cx="7315200" cy="1097280"/>
           </a:xfrm>
           <a:prstGeom prst="rect">
@@ -4260,7 +4173,7 @@
         </p:nvSpPr>
         <p:spPr>
           <a:xfrm>
-            <a:off x="457200" y="3291840"/>
+            <a:off x="914400" y="3995543"/>
             <a:ext cx="7315200" cy="1097280"/>
           </a:xfrm>
           <a:prstGeom prst="rect">
@@ -4310,7 +4223,7 @@
         </p:nvSpPr>
         <p:spPr>
           <a:xfrm>
-            <a:off x="457200" y="4572000"/>
+            <a:off x="914400" y="5503985"/>
             <a:ext cx="7315200" cy="1097280"/>
           </a:xfrm>
           <a:prstGeom prst="rect">
@@ -4360,8 +4273,8 @@
 </p:sld>
 </file>
 
-<file path=ppt/slides/slide9.xml><?xml version="1.0" encoding="utf-8"?>
-<p:sld xmlns:a="http://schemas.openxmlformats.org/drawingml/2006/main" xmlns:p="http://schemas.openxmlformats.org/presentationml/2006/main" xmlns:r="http://schemas.openxmlformats.org/officeDocument/2006/relationships">
+<file path=ppt/slides/slide7.xml><?xml version="1.0" encoding="utf-8"?>
+<p:sld xmlns:a="http://schemas.openxmlformats.org/drawingml/2006/main" xmlns:r="http://schemas.openxmlformats.org/officeDocument/2006/relationships" xmlns:p="http://schemas.openxmlformats.org/presentationml/2006/main">
   <p:cSld>
     <p:spTree>
       <p:nvGrpSpPr>
@@ -4369,7 +4282,14 @@
         <p:cNvGrpSpPr/>
         <p:nvPr/>
       </p:nvGrpSpPr>
-      <p:grpSpPr/>
+      <p:grpSpPr>
+        <a:xfrm>
+          <a:off x="0" y="0"/>
+          <a:ext cx="0" cy="0"/>
+          <a:chOff x="0" y="0"/>
+          <a:chExt cx="0" cy="0"/>
+        </a:xfrm>
+      </p:grpSpPr>
       <p:sp>
         <p:nvSpPr>
           <p:cNvPr id="2" name="Title 1"/>
@@ -4384,37 +4304,102 @@
         <p:txBody>
           <a:bodyPr/>
           <a:lstStyle/>
-          <a:p/>
-        </p:txBody>
-      </p:sp>
-      <p:sp>
-        <p:nvSpPr>
-          <p:cNvPr id="3" name="TextBox 2"/>
-          <p:cNvSpPr txBox="1"/>
-          <p:nvPr/>
-        </p:nvSpPr>
-        <p:spPr>
-          <a:xfrm>
-            <a:off x="457200" y="182880"/>
-            <a:ext cx="7315200" cy="457200"/>
-          </a:xfrm>
-          <a:prstGeom prst="rect">
-            <a:avLst/>
-          </a:prstGeom>
-          <a:noFill/>
-        </p:spPr>
-        <p:txBody>
-          <a:bodyPr wrap="none">
-            <a:spAutoFit/>
+          <a:p>
+            <a:r>
+              <a:t>애니메이션 상세 페이지</a:t>
+            </a:r>
+          </a:p>
+        </p:txBody>
+      </p:sp>
+      <p:sp>
+        <p:nvSpPr>
+          <p:cNvPr id="3" name="Content Placeholder 2"/>
+          <p:cNvSpPr>
+            <a:spLocks noGrp="1"/>
+          </p:cNvSpPr>
+          <p:nvPr>
+            <p:ph idx="1"/>
+          </p:nvPr>
+        </p:nvSpPr>
+        <p:spPr/>
+        <p:txBody>
+          <a:bodyPr/>
+          <a:lstStyle/>
+          <a:p>
+            <a:r>
+              <a:t>- 포스터 및 기본 정보</a:t>
+            </a:r>
+          </a:p>
+          <a:p>
+            <a:r>
+              <a:t>- 에피소드 스트리밍 리스트</a:t>
+            </a:r>
+          </a:p>
+          <a:p>
+            <a:r>
+              <a:t>- 유저 별점 및 댓글</a:t>
+            </a:r>
+          </a:p>
+        </p:txBody>
+      </p:sp>
+    </p:spTree>
+  </p:cSld>
+  <p:clrMapOvr>
+    <a:masterClrMapping/>
+  </p:clrMapOvr>
+</p:sld>
+</file>
+
+<file path=ppt/slides/slide8.xml><?xml version="1.0" encoding="utf-8"?>
+<p:sld xmlns:a="http://schemas.openxmlformats.org/drawingml/2006/main" xmlns:r="http://schemas.openxmlformats.org/officeDocument/2006/relationships" xmlns:p="http://schemas.openxmlformats.org/presentationml/2006/main">
+  <p:cSld>
+    <p:spTree>
+      <p:nvGrpSpPr>
+        <p:cNvPr id="1" name=""/>
+        <p:cNvGrpSpPr/>
+        <p:nvPr/>
+      </p:nvGrpSpPr>
+      <p:grpSpPr>
+        <a:xfrm>
+          <a:off x="0" y="0"/>
+          <a:ext cx="0" cy="0"/>
+          <a:chOff x="0" y="0"/>
+          <a:chExt cx="0" cy="0"/>
+        </a:xfrm>
+      </p:grpSpPr>
+      <p:sp>
+        <p:nvSpPr>
+          <p:cNvPr id="2" name="Title 1"/>
+          <p:cNvSpPr>
+            <a:spLocks noGrp="1"/>
+          </p:cNvSpPr>
+          <p:nvPr>
+            <p:ph type="title"/>
+          </p:nvPr>
+        </p:nvSpPr>
+        <p:spPr/>
+        <p:txBody>
+          <a:bodyPr>
+            <a:normAutofit fontScale="90000"/>
           </a:bodyPr>
           <a:lstStyle/>
           <a:p>
-            <a:pPr>
-              <a:defRPr sz="2400" b="1"/>
-            </a:pPr>
-            <a:r>
-              <a:t>와이어프레임: 애니 상세 페이지</a:t>
-            </a:r>
+            <a:r>
+              <a:rPr lang="ko-KR" altLang="en-US" dirty="0"/>
+              <a:t>와이어프레임</a:t>
+            </a:r>
+            <a:r>
+              <a:rPr lang="en-US" altLang="ko-KR" dirty="0"/>
+              <a:t>: </a:t>
+            </a:r>
+            <a:r>
+              <a:rPr lang="ko-KR" altLang="en-US" dirty="0"/>
+              <a:t>애니 상세 페이지</a:t>
+            </a:r>
+            <a:br>
+              <a:rPr lang="ko-KR" altLang="en-US" dirty="0"/>
+            </a:br>
+            <a:endParaRPr dirty="0"/>
           </a:p>
         </p:txBody>
       </p:sp>
@@ -4426,7 +4411,7 @@
         </p:nvSpPr>
         <p:spPr>
           <a:xfrm>
-            <a:off x="457200" y="914400"/>
+            <a:off x="457200" y="2268415"/>
             <a:ext cx="2743200" cy="3657600"/>
           </a:xfrm>
           <a:prstGeom prst="rect">
@@ -4476,7 +4461,7 @@
         </p:nvSpPr>
         <p:spPr>
           <a:xfrm>
-            <a:off x="3291840" y="914400"/>
+            <a:off x="3291840" y="1728726"/>
             <a:ext cx="4572000" cy="1371600"/>
           </a:xfrm>
           <a:prstGeom prst="rect">
@@ -4526,7 +4511,7 @@
         </p:nvSpPr>
         <p:spPr>
           <a:xfrm>
-            <a:off x="3291840" y="2377440"/>
+            <a:off x="3291840" y="3411415"/>
             <a:ext cx="4572000" cy="1371600"/>
           </a:xfrm>
           <a:prstGeom prst="rect">
@@ -4576,7 +4561,7 @@
         </p:nvSpPr>
         <p:spPr>
           <a:xfrm>
-            <a:off x="3291840" y="3840480"/>
+            <a:off x="3291840" y="5057335"/>
             <a:ext cx="4572000" cy="1097280"/>
           </a:xfrm>
           <a:prstGeom prst="rect">
@@ -4614,6 +4599,83 @@
             </a:pPr>
             <a:r>
               <a:t>댓글</a:t>
+            </a:r>
+          </a:p>
+        </p:txBody>
+      </p:sp>
+    </p:spTree>
+  </p:cSld>
+  <p:clrMapOvr>
+    <a:masterClrMapping/>
+  </p:clrMapOvr>
+</p:sld>
+</file>
+
+<file path=ppt/slides/slide9.xml><?xml version="1.0" encoding="utf-8"?>
+<p:sld xmlns:a="http://schemas.openxmlformats.org/drawingml/2006/main" xmlns:r="http://schemas.openxmlformats.org/officeDocument/2006/relationships" xmlns:p="http://schemas.openxmlformats.org/presentationml/2006/main">
+  <p:cSld>
+    <p:spTree>
+      <p:nvGrpSpPr>
+        <p:cNvPr id="1" name=""/>
+        <p:cNvGrpSpPr/>
+        <p:nvPr/>
+      </p:nvGrpSpPr>
+      <p:grpSpPr>
+        <a:xfrm>
+          <a:off x="0" y="0"/>
+          <a:ext cx="0" cy="0"/>
+          <a:chOff x="0" y="0"/>
+          <a:chExt cx="0" cy="0"/>
+        </a:xfrm>
+      </p:grpSpPr>
+      <p:sp>
+        <p:nvSpPr>
+          <p:cNvPr id="2" name="Title 1"/>
+          <p:cNvSpPr>
+            <a:spLocks noGrp="1"/>
+          </p:cNvSpPr>
+          <p:nvPr>
+            <p:ph type="title"/>
+          </p:nvPr>
+        </p:nvSpPr>
+        <p:spPr/>
+        <p:txBody>
+          <a:bodyPr/>
+          <a:lstStyle/>
+          <a:p>
+            <a:r>
+              <a:t>마이페이지</a:t>
+            </a:r>
+          </a:p>
+        </p:txBody>
+      </p:sp>
+      <p:sp>
+        <p:nvSpPr>
+          <p:cNvPr id="3" name="Content Placeholder 2"/>
+          <p:cNvSpPr>
+            <a:spLocks noGrp="1"/>
+          </p:cNvSpPr>
+          <p:nvPr>
+            <p:ph idx="1"/>
+          </p:nvPr>
+        </p:nvSpPr>
+        <p:spPr/>
+        <p:txBody>
+          <a:bodyPr/>
+          <a:lstStyle/>
+          <a:p>
+            <a:r>
+              <a:t>- 내가 본 애니 / 북마크</a:t>
+            </a:r>
+          </a:p>
+          <a:p>
+            <a:r>
+              <a:t>- 리뷰 내역</a:t>
+            </a:r>
+          </a:p>
+          <a:p>
+            <a:r>
+              <a:t>- 계정 정보 수정 및 탈퇴</a:t>
             </a:r>
           </a:p>
         </p:txBody>
